--- a/week3/Week3.pptx
+++ b/week3/Week3.pptx
@@ -14718,7 +14718,7 @@
         </p:blipFill>
         <p:spPr bwMode="auto">
           <a:xfrm>
-            <a:off x="1524000" y="652463"/>
+            <a:off x="1505527" y="630383"/>
             <a:ext cx="9982200" cy="4224337"/>
           </a:xfrm>
           <a:prstGeom prst="rect">
